--- a/2015-SaintConPreso.pptx
+++ b/2015-SaintConPreso.pptx
@@ -1096,6 +1096,12 @@
           <a:p>
             <a:r>
               <a:rPr lang="en-US" dirty="0" smtClean="0"/>
+              <a:t>//Attempt some temporal analysis</a:t>
+            </a:r>
+          </a:p>
+          <a:p>
+            <a:r>
+              <a:rPr lang="en-US" dirty="0" smtClean="0"/>
               <a:t>MATCH (</a:t>
             </a:r>
             <a:r>
@@ -1152,7 +1158,7 @@
             </a:r>
             <a:r>
               <a:rPr lang="en-US" dirty="0" smtClean="0"/>
-              <a:t> =~ "2015-" RETURN </a:t>
+              <a:t> =~ "2015-.*" RETURN </a:t>
             </a:r>
             <a:r>
               <a:rPr lang="en-US" dirty="0" err="1" smtClean="0"/>
@@ -1266,6 +1272,12 @@
           <a:p>
             <a:r>
               <a:rPr lang="en-US" dirty="0" smtClean="0"/>
+              <a:t>//Show me all of the things!</a:t>
+            </a:r>
+          </a:p>
+          <a:p>
+            <a:r>
+              <a:rPr lang="en-US" smtClean="0"/>
               <a:t>MATCH n RETURN n;</a:t>
             </a:r>
             <a:endParaRPr lang="en-US" dirty="0"/>
